--- a/lectures/00-course-intro.pptx
+++ b/lectures/00-course-intro.pptx
@@ -4670,6 +4670,15 @@
               <a:rPr b="1" dirty="0"/>
               <a:t>Convert the data to a tidy data format in a single .xlsx file</a:t>
             </a:r>
+            <a:endParaRPr lang="en-GB" b="1" dirty="0"/>
+          </a:p>
+          <a:p>
+            <a:pPr lvl="1"/>
+            <a:r>
+              <a:rPr lang="en-US" b="1" dirty="0"/>
+              <a:t>Do this using only R code</a:t>
+            </a:r>
+            <a:endParaRPr b="1" dirty="0"/>
           </a:p>
           <a:p>
             <a:pPr lvl="1"/>
